--- a/Poster/Poster-Team 5.pptx
+++ b/Poster/Poster-Team 5.pptx
@@ -243,7 +243,7 @@
           <a:p>
             <a:fld id="{3349F31C-4EC0-476C-B3EC-86735413501D}" type="datetimeFigureOut">
               <a:rPr lang="en-US" smtClean="0"/>
-              <a:t>11/26/2019</a:t>
+              <a:t>12/9/2019</a:t>
             </a:fld>
             <a:endParaRPr lang="en-US"/>
           </a:p>
@@ -413,7 +413,7 @@
           <a:p>
             <a:fld id="{3349F31C-4EC0-476C-B3EC-86735413501D}" type="datetimeFigureOut">
               <a:rPr lang="en-US" smtClean="0"/>
-              <a:t>11/26/2019</a:t>
+              <a:t>12/9/2019</a:t>
             </a:fld>
             <a:endParaRPr lang="en-US"/>
           </a:p>
@@ -593,7 +593,7 @@
           <a:p>
             <a:fld id="{3349F31C-4EC0-476C-B3EC-86735413501D}" type="datetimeFigureOut">
               <a:rPr lang="en-US" smtClean="0"/>
-              <a:t>11/26/2019</a:t>
+              <a:t>12/9/2019</a:t>
             </a:fld>
             <a:endParaRPr lang="en-US"/>
           </a:p>
@@ -763,7 +763,7 @@
           <a:p>
             <a:fld id="{3349F31C-4EC0-476C-B3EC-86735413501D}" type="datetimeFigureOut">
               <a:rPr lang="en-US" smtClean="0"/>
-              <a:t>11/26/2019</a:t>
+              <a:t>12/9/2019</a:t>
             </a:fld>
             <a:endParaRPr lang="en-US"/>
           </a:p>
@@ -1007,7 +1007,7 @@
           <a:p>
             <a:fld id="{3349F31C-4EC0-476C-B3EC-86735413501D}" type="datetimeFigureOut">
               <a:rPr lang="en-US" smtClean="0"/>
-              <a:t>11/26/2019</a:t>
+              <a:t>12/9/2019</a:t>
             </a:fld>
             <a:endParaRPr lang="en-US"/>
           </a:p>
@@ -1239,7 +1239,7 @@
           <a:p>
             <a:fld id="{3349F31C-4EC0-476C-B3EC-86735413501D}" type="datetimeFigureOut">
               <a:rPr lang="en-US" smtClean="0"/>
-              <a:t>11/26/2019</a:t>
+              <a:t>12/9/2019</a:t>
             </a:fld>
             <a:endParaRPr lang="en-US"/>
           </a:p>
@@ -1606,7 +1606,7 @@
           <a:p>
             <a:fld id="{3349F31C-4EC0-476C-B3EC-86735413501D}" type="datetimeFigureOut">
               <a:rPr lang="en-US" smtClean="0"/>
-              <a:t>11/26/2019</a:t>
+              <a:t>12/9/2019</a:t>
             </a:fld>
             <a:endParaRPr lang="en-US"/>
           </a:p>
@@ -1724,7 +1724,7 @@
           <a:p>
             <a:fld id="{3349F31C-4EC0-476C-B3EC-86735413501D}" type="datetimeFigureOut">
               <a:rPr lang="en-US" smtClean="0"/>
-              <a:t>11/26/2019</a:t>
+              <a:t>12/9/2019</a:t>
             </a:fld>
             <a:endParaRPr lang="en-US"/>
           </a:p>
@@ -1819,7 +1819,7 @@
           <a:p>
             <a:fld id="{3349F31C-4EC0-476C-B3EC-86735413501D}" type="datetimeFigureOut">
               <a:rPr lang="en-US" smtClean="0"/>
-              <a:t>11/26/2019</a:t>
+              <a:t>12/9/2019</a:t>
             </a:fld>
             <a:endParaRPr lang="en-US"/>
           </a:p>
@@ -2096,7 +2096,7 @@
           <a:p>
             <a:fld id="{3349F31C-4EC0-476C-B3EC-86735413501D}" type="datetimeFigureOut">
               <a:rPr lang="en-US" smtClean="0"/>
-              <a:t>11/26/2019</a:t>
+              <a:t>12/9/2019</a:t>
             </a:fld>
             <a:endParaRPr lang="en-US"/>
           </a:p>
@@ -2353,7 +2353,7 @@
           <a:p>
             <a:fld id="{3349F31C-4EC0-476C-B3EC-86735413501D}" type="datetimeFigureOut">
               <a:rPr lang="en-US" smtClean="0"/>
-              <a:t>11/26/2019</a:t>
+              <a:t>12/9/2019</a:t>
             </a:fld>
             <a:endParaRPr lang="en-US"/>
           </a:p>
@@ -2566,7 +2566,7 @@
           <a:p>
             <a:fld id="{3349F31C-4EC0-476C-B3EC-86735413501D}" type="datetimeFigureOut">
               <a:rPr lang="en-US" smtClean="0"/>
-              <a:t>11/26/2019</a:t>
+              <a:t>12/9/2019</a:t>
             </a:fld>
             <a:endParaRPr lang="en-US"/>
           </a:p>
@@ -5090,8 +5090,8 @@
           </p:nvSpPr>
           <p:spPr>
             <a:xfrm>
-              <a:off x="15788640" y="6709462"/>
-              <a:ext cx="3108960" cy="559120"/>
+              <a:off x="16337280" y="6709462"/>
+              <a:ext cx="2011679" cy="559120"/>
             </a:xfrm>
             <a:prstGeom prst="roundRect">
               <a:avLst/>
@@ -5118,7 +5118,7 @@
               <a:pPr algn="ctr"/>
               <a:r>
                 <a:rPr lang="en-US" dirty="0" smtClean="0"/>
-                <a:t>Dense layered Neural Network</a:t>
+                <a:t>3 Dense layers </a:t>
               </a:r>
               <a:endParaRPr lang="en-US" dirty="0"/>
             </a:p>
